--- a/documents/Flyer.pptx
+++ b/documents/Flyer.pptx
@@ -254,7 +254,7 @@
           <a:p>
             <a:fld id="{23C6B5C4-78A0-4364-897D-F5919A0FD68C}" type="datetimeFigureOut">
               <a:rPr lang="en-US" smtClean="0"/>
-              <a:t>2/20/2020</a:t>
+              <a:t>2/26/2020</a:t>
             </a:fld>
             <a:endParaRPr lang="en-US"/>
           </a:p>
@@ -424,7 +424,7 @@
           <a:p>
             <a:fld id="{23C6B5C4-78A0-4364-897D-F5919A0FD68C}" type="datetimeFigureOut">
               <a:rPr lang="en-US" smtClean="0"/>
-              <a:t>2/20/2020</a:t>
+              <a:t>2/26/2020</a:t>
             </a:fld>
             <a:endParaRPr lang="en-US"/>
           </a:p>
@@ -604,7 +604,7 @@
           <a:p>
             <a:fld id="{23C6B5C4-78A0-4364-897D-F5919A0FD68C}" type="datetimeFigureOut">
               <a:rPr lang="en-US" smtClean="0"/>
-              <a:t>2/20/2020</a:t>
+              <a:t>2/26/2020</a:t>
             </a:fld>
             <a:endParaRPr lang="en-US"/>
           </a:p>
@@ -774,7 +774,7 @@
           <a:p>
             <a:fld id="{23C6B5C4-78A0-4364-897D-F5919A0FD68C}" type="datetimeFigureOut">
               <a:rPr lang="en-US" smtClean="0"/>
-              <a:t>2/20/2020</a:t>
+              <a:t>2/26/2020</a:t>
             </a:fld>
             <a:endParaRPr lang="en-US"/>
           </a:p>
@@ -1018,7 +1018,7 @@
           <a:p>
             <a:fld id="{23C6B5C4-78A0-4364-897D-F5919A0FD68C}" type="datetimeFigureOut">
               <a:rPr lang="en-US" smtClean="0"/>
-              <a:t>2/20/2020</a:t>
+              <a:t>2/26/2020</a:t>
             </a:fld>
             <a:endParaRPr lang="en-US"/>
           </a:p>
@@ -1250,7 +1250,7 @@
           <a:p>
             <a:fld id="{23C6B5C4-78A0-4364-897D-F5919A0FD68C}" type="datetimeFigureOut">
               <a:rPr lang="en-US" smtClean="0"/>
-              <a:t>2/20/2020</a:t>
+              <a:t>2/26/2020</a:t>
             </a:fld>
             <a:endParaRPr lang="en-US"/>
           </a:p>
@@ -1617,7 +1617,7 @@
           <a:p>
             <a:fld id="{23C6B5C4-78A0-4364-897D-F5919A0FD68C}" type="datetimeFigureOut">
               <a:rPr lang="en-US" smtClean="0"/>
-              <a:t>2/20/2020</a:t>
+              <a:t>2/26/2020</a:t>
             </a:fld>
             <a:endParaRPr lang="en-US"/>
           </a:p>
@@ -1735,7 +1735,7 @@
           <a:p>
             <a:fld id="{23C6B5C4-78A0-4364-897D-F5919A0FD68C}" type="datetimeFigureOut">
               <a:rPr lang="en-US" smtClean="0"/>
-              <a:t>2/20/2020</a:t>
+              <a:t>2/26/2020</a:t>
             </a:fld>
             <a:endParaRPr lang="en-US"/>
           </a:p>
@@ -1830,7 +1830,7 @@
           <a:p>
             <a:fld id="{23C6B5C4-78A0-4364-897D-F5919A0FD68C}" type="datetimeFigureOut">
               <a:rPr lang="en-US" smtClean="0"/>
-              <a:t>2/20/2020</a:t>
+              <a:t>2/26/2020</a:t>
             </a:fld>
             <a:endParaRPr lang="en-US"/>
           </a:p>
@@ -2107,7 +2107,7 @@
           <a:p>
             <a:fld id="{23C6B5C4-78A0-4364-897D-F5919A0FD68C}" type="datetimeFigureOut">
               <a:rPr lang="en-US" smtClean="0"/>
-              <a:t>2/20/2020</a:t>
+              <a:t>2/26/2020</a:t>
             </a:fld>
             <a:endParaRPr lang="en-US"/>
           </a:p>
@@ -2364,7 +2364,7 @@
           <a:p>
             <a:fld id="{23C6B5C4-78A0-4364-897D-F5919A0FD68C}" type="datetimeFigureOut">
               <a:rPr lang="en-US" smtClean="0"/>
-              <a:t>2/20/2020</a:t>
+              <a:t>2/26/2020</a:t>
             </a:fld>
             <a:endParaRPr lang="en-US"/>
           </a:p>
@@ -2577,7 +2577,7 @@
           <a:p>
             <a:fld id="{23C6B5C4-78A0-4364-897D-F5919A0FD68C}" type="datetimeFigureOut">
               <a:rPr lang="en-US" smtClean="0"/>
-              <a:t>2/20/2020</a:t>
+              <a:t>2/26/2020</a:t>
             </a:fld>
             <a:endParaRPr lang="en-US"/>
           </a:p>
@@ -3000,7 +3000,7 @@
         </p:nvSpPr>
         <p:spPr>
           <a:xfrm>
-            <a:off x="1374920" y="1842077"/>
+            <a:off x="1243010" y="1129181"/>
             <a:ext cx="4371975" cy="549092"/>
           </a:xfrm>
         </p:spPr>
@@ -3048,7 +3048,7 @@
         </p:nvSpPr>
         <p:spPr>
           <a:xfrm>
-            <a:off x="1632094" y="2306408"/>
+            <a:off x="1500184" y="1646484"/>
             <a:ext cx="3857625" cy="549092"/>
           </a:xfrm>
         </p:spPr>
@@ -3102,8 +3102,8 @@
         </p:nvSpPr>
         <p:spPr>
           <a:xfrm>
-            <a:off x="159202" y="2888385"/>
-            <a:ext cx="6539593" cy="5016758"/>
+            <a:off x="179614" y="2116375"/>
+            <a:ext cx="6539593" cy="6001643"/>
           </a:xfrm>
           <a:prstGeom prst="rect">
             <a:avLst/>
@@ -3143,7 +3143,7 @@
                   <a:schemeClr val="bg1"/>
                 </a:solidFill>
               </a:rPr>
-              <a:t>We would like regular users of eye gaze trackers to enter PINs on three different PIN layouts. Afterwards, participants will be asked a few questions about their experience. We will be video-recording the PIN entry for a companion security study as well as recording gaze data from the device. At the end, we will make an audio-recording of participant responses and will be taking notes. No personally identifiable information will be collected.</a:t>
+              <a:t>We would like people with upper extremity impairments (UEI) who are regular users of eye gaze trackers to participate in our study. A person with UEI is anyone without full use or range of motion of their arms, shoulders, or hands. Participants will be asked to enter PINs on three different PIN layouts. Afterwards, participants will be asked a few questions about their experience. We will be video-recording the PIN entry for a companion security study as well as recording gaze data from the device. At the end, we will make an audio-recording of participant responses and will be taking notes. No personally identifiable information will be collected.</a:t>
             </a:r>
           </a:p>
           <a:p>
@@ -3175,6 +3175,20 @@
                 </a:solidFill>
               </a:rPr>
               <a:t>Be at least 18 years of age</a:t>
+            </a:r>
+          </a:p>
+          <a:p>
+            <a:pPr marL="214313" indent="-214313">
+              <a:buFont typeface="Arial" panose="020B0604020202020204" pitchFamily="34" charset="0"/>
+              <a:buChar char="•"/>
+            </a:pPr>
+            <a:r>
+              <a:rPr lang="en-US" sz="1600" dirty="0">
+                <a:solidFill>
+                  <a:schemeClr val="bg1"/>
+                </a:solidFill>
+              </a:rPr>
+              <a:t>Have some form of Upper Extremity Impairment</a:t>
             </a:r>
           </a:p>
           <a:p>
@@ -3287,7 +3301,7 @@
               <a:rPr lang="en-US" sz="1400" b="1" dirty="0">
                 <a:hlinkClick r:id="rId2"/>
               </a:rPr>
-              <a:t>bflewis@my.uri.edu</a:t>
+              <a:t>bflewis@uri.edu</a:t>
             </a:r>
             <a:r>
               <a:rPr lang="en-US" sz="1400" b="1" dirty="0"/>
@@ -3436,92 +3450,6 @@
           </a:p>
         </p:txBody>
       </p:sp>
-      <p:pic>
-        <p:nvPicPr>
-          <p:cNvPr id="1026" name="Picture 2" descr="Tobii Eye Tracker 4C">
-            <a:extLst>
-              <a:ext uri="{FF2B5EF4-FFF2-40B4-BE49-F238E27FC236}">
-                <a16:creationId xmlns:a16="http://schemas.microsoft.com/office/drawing/2014/main" id="{4FBE5585-A096-4E4D-9005-673A64A93719}"/>
-              </a:ext>
-            </a:extLst>
-          </p:cNvPr>
-          <p:cNvPicPr>
-            <a:picLocks noChangeAspect="1" noChangeArrowheads="1"/>
-          </p:cNvPicPr>
-          <p:nvPr/>
-        </p:nvPicPr>
-        <p:blipFill>
-          <a:blip r:embed="rId6">
-            <a:extLst>
-              <a:ext uri="{28A0092B-C50C-407E-A947-70E740481C1C}">
-                <a14:useLocalDpi xmlns:a14="http://schemas.microsoft.com/office/drawing/2010/main" val="0"/>
-              </a:ext>
-            </a:extLst>
-          </a:blip>
-          <a:srcRect/>
-          <a:stretch>
-            <a:fillRect/>
-          </a:stretch>
-        </p:blipFill>
-        <p:spPr bwMode="auto">
-          <a:xfrm>
-            <a:off x="1798590" y="1408649"/>
-            <a:ext cx="3524632" cy="549092"/>
-          </a:xfrm>
-          <a:prstGeom prst="rect">
-            <a:avLst/>
-          </a:prstGeom>
-          <a:noFill/>
-          <a:extLst>
-            <a:ext uri="{909E8E84-426E-40DD-AFC4-6F175D3DCCD1}">
-              <a14:hiddenFill xmlns:a14="http://schemas.microsoft.com/office/drawing/2010/main">
-                <a:solidFill>
-                  <a:srgbClr val="FFFFFF"/>
-                </a:solidFill>
-              </a14:hiddenFill>
-            </a:ext>
-          </a:extLst>
-        </p:spPr>
-      </p:pic>
-      <p:pic>
-        <p:nvPicPr>
-          <p:cNvPr id="9" name="Picture 8">
-            <a:extLst>
-              <a:ext uri="{FF2B5EF4-FFF2-40B4-BE49-F238E27FC236}">
-                <a16:creationId xmlns:a16="http://schemas.microsoft.com/office/drawing/2014/main" id="{C5F23098-6DA2-4752-AE67-8E55215B8E81}"/>
-              </a:ext>
-            </a:extLst>
-          </p:cNvPr>
-          <p:cNvPicPr>
-            <a:picLocks noChangeAspect="1"/>
-          </p:cNvPicPr>
-          <p:nvPr/>
-        </p:nvPicPr>
-        <p:blipFill>
-          <a:blip r:embed="rId7">
-            <a:extLst>
-              <a:ext uri="{28A0092B-C50C-407E-A947-70E740481C1C}">
-                <a14:useLocalDpi xmlns:a14="http://schemas.microsoft.com/office/drawing/2010/main" val="0"/>
-              </a:ext>
-              <a:ext uri="{837473B0-CC2E-450A-ABE3-18F120FF3D39}">
-                <a1611:picAttrSrcUrl xmlns:a1611="http://schemas.microsoft.com/office/drawing/2016/11/main" r:id="rId8"/>
-              </a:ext>
-            </a:extLst>
-          </a:blip>
-          <a:stretch>
-            <a:fillRect/>
-          </a:stretch>
-        </p:blipFill>
-        <p:spPr>
-          <a:xfrm>
-            <a:off x="2301695" y="434624"/>
-            <a:ext cx="2518422" cy="1259211"/>
-          </a:xfrm>
-          <a:prstGeom prst="rect">
-            <a:avLst/>
-          </a:prstGeom>
-        </p:spPr>
-      </p:pic>
     </p:spTree>
     <p:extLst>
       <p:ext uri="{BB962C8B-B14F-4D97-AF65-F5344CB8AC3E}">

--- a/documents/Flyer.pptx
+++ b/documents/Flyer.pptx
@@ -254,7 +254,7 @@
           <a:p>
             <a:fld id="{23C6B5C4-78A0-4364-897D-F5919A0FD68C}" type="datetimeFigureOut">
               <a:rPr lang="en-US" smtClean="0"/>
-              <a:t>2/26/2020</a:t>
+              <a:t>3/10/2020</a:t>
             </a:fld>
             <a:endParaRPr lang="en-US"/>
           </a:p>
@@ -424,7 +424,7 @@
           <a:p>
             <a:fld id="{23C6B5C4-78A0-4364-897D-F5919A0FD68C}" type="datetimeFigureOut">
               <a:rPr lang="en-US" smtClean="0"/>
-              <a:t>2/26/2020</a:t>
+              <a:t>3/10/2020</a:t>
             </a:fld>
             <a:endParaRPr lang="en-US"/>
           </a:p>
@@ -604,7 +604,7 @@
           <a:p>
             <a:fld id="{23C6B5C4-78A0-4364-897D-F5919A0FD68C}" type="datetimeFigureOut">
               <a:rPr lang="en-US" smtClean="0"/>
-              <a:t>2/26/2020</a:t>
+              <a:t>3/10/2020</a:t>
             </a:fld>
             <a:endParaRPr lang="en-US"/>
           </a:p>
@@ -774,7 +774,7 @@
           <a:p>
             <a:fld id="{23C6B5C4-78A0-4364-897D-F5919A0FD68C}" type="datetimeFigureOut">
               <a:rPr lang="en-US" smtClean="0"/>
-              <a:t>2/26/2020</a:t>
+              <a:t>3/10/2020</a:t>
             </a:fld>
             <a:endParaRPr lang="en-US"/>
           </a:p>
@@ -1018,7 +1018,7 @@
           <a:p>
             <a:fld id="{23C6B5C4-78A0-4364-897D-F5919A0FD68C}" type="datetimeFigureOut">
               <a:rPr lang="en-US" smtClean="0"/>
-              <a:t>2/26/2020</a:t>
+              <a:t>3/10/2020</a:t>
             </a:fld>
             <a:endParaRPr lang="en-US"/>
           </a:p>
@@ -1250,7 +1250,7 @@
           <a:p>
             <a:fld id="{23C6B5C4-78A0-4364-897D-F5919A0FD68C}" type="datetimeFigureOut">
               <a:rPr lang="en-US" smtClean="0"/>
-              <a:t>2/26/2020</a:t>
+              <a:t>3/10/2020</a:t>
             </a:fld>
             <a:endParaRPr lang="en-US"/>
           </a:p>
@@ -1617,7 +1617,7 @@
           <a:p>
             <a:fld id="{23C6B5C4-78A0-4364-897D-F5919A0FD68C}" type="datetimeFigureOut">
               <a:rPr lang="en-US" smtClean="0"/>
-              <a:t>2/26/2020</a:t>
+              <a:t>3/10/2020</a:t>
             </a:fld>
             <a:endParaRPr lang="en-US"/>
           </a:p>
@@ -1735,7 +1735,7 @@
           <a:p>
             <a:fld id="{23C6B5C4-78A0-4364-897D-F5919A0FD68C}" type="datetimeFigureOut">
               <a:rPr lang="en-US" smtClean="0"/>
-              <a:t>2/26/2020</a:t>
+              <a:t>3/10/2020</a:t>
             </a:fld>
             <a:endParaRPr lang="en-US"/>
           </a:p>
@@ -1830,7 +1830,7 @@
           <a:p>
             <a:fld id="{23C6B5C4-78A0-4364-897D-F5919A0FD68C}" type="datetimeFigureOut">
               <a:rPr lang="en-US" smtClean="0"/>
-              <a:t>2/26/2020</a:t>
+              <a:t>3/10/2020</a:t>
             </a:fld>
             <a:endParaRPr lang="en-US"/>
           </a:p>
@@ -2107,7 +2107,7 @@
           <a:p>
             <a:fld id="{23C6B5C4-78A0-4364-897D-F5919A0FD68C}" type="datetimeFigureOut">
               <a:rPr lang="en-US" smtClean="0"/>
-              <a:t>2/26/2020</a:t>
+              <a:t>3/10/2020</a:t>
             </a:fld>
             <a:endParaRPr lang="en-US"/>
           </a:p>
@@ -2364,7 +2364,7 @@
           <a:p>
             <a:fld id="{23C6B5C4-78A0-4364-897D-F5919A0FD68C}" type="datetimeFigureOut">
               <a:rPr lang="en-US" smtClean="0"/>
-              <a:t>2/26/2020</a:t>
+              <a:t>3/10/2020</a:t>
             </a:fld>
             <a:endParaRPr lang="en-US"/>
           </a:p>
@@ -2577,7 +2577,7 @@
           <a:p>
             <a:fld id="{23C6B5C4-78A0-4364-897D-F5919A0FD68C}" type="datetimeFigureOut">
               <a:rPr lang="en-US" smtClean="0"/>
-              <a:t>2/26/2020</a:t>
+              <a:t>3/10/2020</a:t>
             </a:fld>
             <a:endParaRPr lang="en-US"/>
           </a:p>
@@ -3000,8 +3000,8 @@
         </p:nvSpPr>
         <p:spPr>
           <a:xfrm>
-            <a:off x="1243010" y="1129181"/>
-            <a:ext cx="4371975" cy="549092"/>
+            <a:off x="1242246" y="961773"/>
+            <a:ext cx="4608188" cy="549092"/>
           </a:xfrm>
         </p:spPr>
         <p:txBody>
@@ -3048,13 +3048,13 @@
         </p:nvSpPr>
         <p:spPr>
           <a:xfrm>
-            <a:off x="1500184" y="1646484"/>
-            <a:ext cx="3857625" cy="549092"/>
+            <a:off x="825402" y="1462324"/>
+            <a:ext cx="5205664" cy="549092"/>
           </a:xfrm>
         </p:spPr>
         <p:txBody>
           <a:bodyPr>
-            <a:normAutofit lnSpcReduction="10000"/>
+            <a:normAutofit/>
           </a:bodyPr>
           <a:lstStyle/>
           <a:p>
@@ -3076,7 +3076,7 @@
                   </a:schemeClr>
                 </a:solidFill>
               </a:rPr>
-              <a:t>Eye Gaze Tracker Study</a:t>
+              <a:t>Eye Gaze Tracker Research</a:t>
             </a:r>
             <a:endParaRPr lang="en-US" sz="1800" i="1" dirty="0">
               <a:solidFill>
@@ -3102,8 +3102,8 @@
         </p:nvSpPr>
         <p:spPr>
           <a:xfrm>
-            <a:off x="179614" y="2116375"/>
-            <a:ext cx="6539593" cy="6001643"/>
+            <a:off x="179614" y="1825891"/>
+            <a:ext cx="6539593" cy="6124754"/>
           </a:xfrm>
           <a:prstGeom prst="rect">
             <a:avLst/>
@@ -3121,16 +3121,16 @@
           <a:lstStyle/>
           <a:p>
             <a:r>
-              <a:rPr lang="en-US" sz="1600" dirty="0">
+              <a:rPr lang="en-US" sz="1400" dirty="0">
                 <a:solidFill>
                   <a:schemeClr val="bg1"/>
                 </a:solidFill>
               </a:rPr>
-              <a:t>PINs are common security measures for aspects like bank accounts and device login. However, so far little work has been done to explore what PIN entry layouts are usable for people using eye gaze trackers. Our goal in this study is to compare three different PIN entry layouts to compare which ones work most effectively for eye gaze tracker users.</a:t>
-            </a:r>
-          </a:p>
-          <a:p>
-            <a:endParaRPr lang="en-US" sz="1600" dirty="0">
+              <a:t>PINs are common security measures for aspects like bank accounts and device login. However, so far little work has been done to explore what PIN entry layouts are usable for people using eye gaze trackers. Our goal for this research is to compare three different PIN entry layouts to compare which ones work most effectively for eye gaze tracker users.</a:t>
+            </a:r>
+          </a:p>
+          <a:p>
+            <a:endParaRPr lang="en-US" sz="1400" dirty="0">
               <a:solidFill>
                 <a:schemeClr val="bg1"/>
               </a:solidFill>
@@ -3138,16 +3138,16 @@
           </a:p>
           <a:p>
             <a:r>
-              <a:rPr lang="en-US" sz="1600" dirty="0">
+              <a:rPr lang="en-US" sz="1400" dirty="0">
                 <a:solidFill>
                   <a:schemeClr val="bg1"/>
                 </a:solidFill>
               </a:rPr>
-              <a:t>We would like people with upper extremity impairments (UEI) who are regular users of eye gaze trackers to participate in our study. A person with UEI is anyone without full use or range of motion of their arms, shoulders, or hands. Participants will be asked to enter PINs on three different PIN layouts. Afterwards, participants will be asked a few questions about their experience. We will be video-recording the PIN entry for a companion security study as well as recording gaze data from the device. At the end, we will make an audio-recording of participant responses and will be taking notes. No personally identifiable information will be collected.</a:t>
-            </a:r>
-          </a:p>
-          <a:p>
-            <a:endParaRPr lang="en-US" sz="1600" dirty="0">
+              <a:t>We would like people with upper extremity impairments (UEI) who are regular users of eye gaze trackers to participate in our research. A person with UEI is anyone without full use or range of motion of their arms, shoulders, or hands. Participants will be asked to enter PINs on three different PIN layouts. Afterwards, participants will be asked a few questions about their experience. </a:t>
+            </a:r>
+          </a:p>
+          <a:p>
+            <a:endParaRPr lang="en-US" sz="1400" dirty="0">
               <a:solidFill>
                 <a:schemeClr val="bg1"/>
               </a:solidFill>
@@ -3155,7 +3155,73 @@
           </a:p>
           <a:p>
             <a:r>
-              <a:rPr lang="en-US" sz="1600" b="1" dirty="0">
+              <a:rPr lang="en-US" sz="1400" dirty="0">
+                <a:solidFill>
+                  <a:schemeClr val="bg1"/>
+                </a:solidFill>
+              </a:rPr>
+              <a:t>We will be video-recording the PIN entry for a companion security study as well as recording the gaze data from the device. At the end, we will make an audio-recording of participant responses and will be taking notes. </a:t>
+            </a:r>
+            <a:r>
+              <a:rPr lang="en-US" sz="1400" b="1" dirty="0">
+                <a:solidFill>
+                  <a:schemeClr val="bg1"/>
+                </a:solidFill>
+              </a:rPr>
+              <a:t>No personally identifiable information will be collected.</a:t>
+            </a:r>
+            <a:r>
+              <a:rPr lang="en-US" sz="1400" dirty="0">
+                <a:solidFill>
+                  <a:schemeClr val="bg1"/>
+                </a:solidFill>
+              </a:rPr>
+              <a:t> </a:t>
+            </a:r>
+          </a:p>
+          <a:p>
+            <a:endParaRPr lang="en-US" sz="1400" dirty="0">
+              <a:solidFill>
+                <a:schemeClr val="bg1"/>
+              </a:solidFill>
+            </a:endParaRPr>
+          </a:p>
+          <a:p>
+            <a:r>
+              <a:rPr lang="en-US" sz="1400" dirty="0">
+                <a:solidFill>
+                  <a:schemeClr val="bg1"/>
+                </a:solidFill>
+              </a:rPr>
+              <a:t>Data collection may take place at the University Rhode Island, </a:t>
+            </a:r>
+            <a:r>
+              <a:rPr lang="en-US" sz="1400" dirty="0" err="1">
+                <a:solidFill>
+                  <a:schemeClr val="bg1"/>
+                </a:solidFill>
+              </a:rPr>
+              <a:t>TechAccess</a:t>
+            </a:r>
+            <a:r>
+              <a:rPr lang="en-US" sz="1400" dirty="0">
+                <a:solidFill>
+                  <a:schemeClr val="bg1"/>
+                </a:solidFill>
+              </a:rPr>
+              <a:t> of Rhode Island (in Cranston RI), or the premises of the participant.</a:t>
+            </a:r>
+          </a:p>
+          <a:p>
+            <a:endParaRPr lang="en-US" sz="1400" dirty="0">
+              <a:solidFill>
+                <a:schemeClr val="bg1"/>
+              </a:solidFill>
+            </a:endParaRPr>
+          </a:p>
+          <a:p>
+            <a:r>
+              <a:rPr lang="en-US" sz="1400" b="1" dirty="0">
                 <a:solidFill>
                   <a:schemeClr val="bg1"/>
                 </a:solidFill>
@@ -3169,7 +3235,7 @@
               <a:buChar char="•"/>
             </a:pPr>
             <a:r>
-              <a:rPr lang="en-US" sz="1600" dirty="0">
+              <a:rPr lang="en-US" sz="1400" dirty="0">
                 <a:solidFill>
                   <a:schemeClr val="bg1"/>
                 </a:solidFill>
@@ -3183,7 +3249,7 @@
               <a:buChar char="•"/>
             </a:pPr>
             <a:r>
-              <a:rPr lang="en-US" sz="1600" dirty="0">
+              <a:rPr lang="en-US" sz="1400" dirty="0">
                 <a:solidFill>
                   <a:schemeClr val="bg1"/>
                 </a:solidFill>
@@ -3197,7 +3263,7 @@
               <a:buChar char="•"/>
             </a:pPr>
             <a:r>
-              <a:rPr lang="en-US" sz="1600" dirty="0">
+              <a:rPr lang="en-US" sz="1400" dirty="0">
                 <a:solidFill>
                   <a:schemeClr val="bg1"/>
                 </a:solidFill>
@@ -3211,7 +3277,7 @@
               <a:buChar char="•"/>
             </a:pPr>
             <a:r>
-              <a:rPr lang="en-US" sz="1600" b="1" dirty="0">
+              <a:rPr lang="en-US" sz="1400" b="1" dirty="0">
                 <a:solidFill>
                   <a:schemeClr val="bg1"/>
                 </a:solidFill>
@@ -3219,7 +3285,7 @@
               <a:t>Not</a:t>
             </a:r>
             <a:r>
-              <a:rPr lang="en-US" sz="1600" dirty="0">
+              <a:rPr lang="en-US" sz="1400" dirty="0">
                 <a:solidFill>
                   <a:schemeClr val="bg1"/>
                 </a:solidFill>
@@ -3233,7 +3299,7 @@
               <a:buChar char="•"/>
             </a:pPr>
             <a:r>
-              <a:rPr lang="en-US" sz="1600" dirty="0">
+              <a:rPr lang="en-US" sz="1400" dirty="0">
                 <a:solidFill>
                   <a:schemeClr val="bg1"/>
                 </a:solidFill>
@@ -3246,7 +3312,7 @@
               <a:buFont typeface="Arial" panose="020B0604020202020204" pitchFamily="34" charset="0"/>
               <a:buChar char="•"/>
             </a:pPr>
-            <a:endParaRPr lang="en-US" sz="1600" dirty="0">
+            <a:endParaRPr lang="en-US" sz="1400" dirty="0">
               <a:solidFill>
                 <a:schemeClr val="bg1"/>
               </a:solidFill>
@@ -3254,7 +3320,7 @@
           </a:p>
           <a:p>
             <a:r>
-              <a:rPr lang="en-US" sz="1600" dirty="0">
+              <a:rPr lang="en-US" sz="1400" dirty="0">
                 <a:solidFill>
                   <a:schemeClr val="bg1"/>
                 </a:solidFill>
@@ -3278,7 +3344,7 @@
         </p:nvSpPr>
         <p:spPr>
           <a:xfrm>
-            <a:off x="249011" y="8038817"/>
+            <a:off x="248246" y="8098406"/>
             <a:ext cx="6359977" cy="738664"/>
           </a:xfrm>
           <a:prstGeom prst="rect">
